--- a/dev/docs/Setup Gulp in Front End Project.pptx
+++ b/dev/docs/Setup Gulp in Front End Project.pptx
@@ -1949,7 +1949,7 @@
           <a:p>
             <a:fld id="{3D045457-2C5F-4B72-BECD-D50A8CDEF8B7}" type="datetimeFigureOut">
               <a:rPr lang="en-US" smtClean="0"/>
-              <a:t>11/23/2015</a:t>
+              <a:t>11/24/2015</a:t>
             </a:fld>
             <a:endParaRPr lang="en-US"/>
           </a:p>
@@ -2130,7 +2130,7 @@
           <a:p>
             <a:fld id="{9B002EF3-A3BA-474D-91F7-7BC947BBBED5}" type="datetimeFigureOut">
               <a:rPr lang="en-US" smtClean="0"/>
-              <a:t>11/23/2015</a:t>
+              <a:t>11/24/2015</a:t>
             </a:fld>
             <a:endParaRPr lang="en-US"/>
           </a:p>
@@ -2281,7 +2281,7 @@
           <a:p>
             <a:fld id="{9B002EF3-A3BA-474D-91F7-7BC947BBBED5}" type="datetimeFigureOut">
               <a:rPr lang="en-US" smtClean="0"/>
-              <a:t>11/23/2015</a:t>
+              <a:t>11/24/2015</a:t>
             </a:fld>
             <a:endParaRPr lang="en-US"/>
           </a:p>
@@ -4133,7 +4133,7 @@
           <a:p>
             <a:fld id="{9B002EF3-A3BA-474D-91F7-7BC947BBBED5}" type="datetimeFigureOut">
               <a:rPr lang="en-US" smtClean="0"/>
-              <a:t>11/23/2015</a:t>
+              <a:t>11/24/2015</a:t>
             </a:fld>
             <a:endParaRPr lang="en-US"/>
           </a:p>
@@ -6022,7 +6022,7 @@
           <a:p>
             <a:fld id="{9B002EF3-A3BA-474D-91F7-7BC947BBBED5}" type="datetimeFigureOut">
               <a:rPr lang="en-US" smtClean="0"/>
-              <a:t>11/23/2015</a:t>
+              <a:t>11/24/2015</a:t>
             </a:fld>
             <a:endParaRPr lang="en-US"/>
           </a:p>
@@ -6145,7 +6145,7 @@
           <a:p>
             <a:fld id="{9B002EF3-A3BA-474D-91F7-7BC947BBBED5}" type="datetimeFigureOut">
               <a:rPr lang="en-US" smtClean="0"/>
-              <a:t>11/23/2015</a:t>
+              <a:t>11/24/2015</a:t>
             </a:fld>
             <a:endParaRPr lang="en-US"/>
           </a:p>
@@ -6686,7 +6686,7 @@
           <a:p>
             <a:fld id="{9B002EF3-A3BA-474D-91F7-7BC947BBBED5}" type="datetimeFigureOut">
               <a:rPr lang="en-US" smtClean="0"/>
-              <a:t>11/23/2015</a:t>
+              <a:t>11/24/2015</a:t>
             </a:fld>
             <a:endParaRPr lang="en-US"/>
           </a:p>
@@ -6799,7 +6799,7 @@
           <a:p>
             <a:fld id="{9B002EF3-A3BA-474D-91F7-7BC947BBBED5}" type="datetimeFigureOut">
               <a:rPr lang="en-US" smtClean="0"/>
-              <a:t>11/23/2015</a:t>
+              <a:t>11/24/2015</a:t>
             </a:fld>
             <a:endParaRPr lang="en-US"/>
           </a:p>
@@ -8520,7 +8520,7 @@
           <a:p>
             <a:fld id="{9B002EF3-A3BA-474D-91F7-7BC947BBBED5}" type="datetimeFigureOut">
               <a:rPr lang="en-US" smtClean="0"/>
-              <a:t>11/23/2015</a:t>
+              <a:t>11/24/2015</a:t>
             </a:fld>
             <a:endParaRPr lang="en-US"/>
           </a:p>
@@ -8681,7 +8681,7 @@
           <a:p>
             <a:fld id="{9B002EF3-A3BA-474D-91F7-7BC947BBBED5}" type="datetimeFigureOut">
               <a:rPr lang="en-US" smtClean="0"/>
-              <a:t>11/23/2015</a:t>
+              <a:t>11/24/2015</a:t>
             </a:fld>
             <a:endParaRPr lang="en-US"/>
           </a:p>
@@ -12296,7 +12296,7 @@
           <a:p>
             <a:fld id="{9B002EF3-A3BA-474D-91F7-7BC947BBBED5}" type="datetimeFigureOut">
               <a:rPr lang="en-US" smtClean="0"/>
-              <a:t>11/23/2015</a:t>
+              <a:t>11/24/2015</a:t>
             </a:fld>
             <a:endParaRPr lang="en-US"/>
           </a:p>
@@ -14155,7 +14155,7 @@
           <a:p>
             <a:fld id="{9B002EF3-A3BA-474D-91F7-7BC947BBBED5}" type="datetimeFigureOut">
               <a:rPr lang="en-US" smtClean="0"/>
-              <a:t>11/23/2015</a:t>
+              <a:t>11/24/2015</a:t>
             </a:fld>
             <a:endParaRPr lang="en-US"/>
           </a:p>
@@ -14683,8 +14683,8 @@
         </p:nvSpPr>
         <p:spPr>
           <a:xfrm>
-            <a:off x="633152" y="1521195"/>
-            <a:ext cx="7815944" cy="1603005"/>
+            <a:off x="685800" y="990600"/>
+            <a:ext cx="7815944" cy="4724400"/>
           </a:xfrm>
           <a:effectLst>
             <a:outerShdw blurRad="50800" dist="38100" dir="8100000" algn="tr" rotWithShape="0">
@@ -14700,13 +14700,12 @@
           </a:bodyPr>
           <a:lstStyle/>
           <a:p>
-            <a:pPr algn="ctr"/>
             <a:r>
               <a:rPr lang="en-US" sz="6600" dirty="0" err="1" smtClean="0">
                 <a:solidFill>
-                  <a:schemeClr val="tx1">
-                    <a:lumMod val="95000"/>
-                    <a:lumOff val="5000"/>
+                  <a:schemeClr val="accent1">
+                    <a:lumMod val="20000"/>
+                    <a:lumOff val="80000"/>
                   </a:schemeClr>
                 </a:solidFill>
                 <a:latin typeface="Calibri" panose="020F0502020204030204" pitchFamily="34" charset="0"/>
@@ -14716,9 +14715,9 @@
             <a:r>
               <a:rPr lang="en-US" sz="6600" dirty="0" smtClean="0">
                 <a:solidFill>
-                  <a:schemeClr val="tx1">
-                    <a:lumMod val="95000"/>
-                    <a:lumOff val="5000"/>
+                  <a:schemeClr val="accent1">
+                    <a:lumMod val="20000"/>
+                    <a:lumOff val="80000"/>
                   </a:schemeClr>
                 </a:solidFill>
                 <a:latin typeface="Calibri" panose="020F0502020204030204" pitchFamily="34" charset="0"/>
@@ -14728,9 +14727,9 @@
             <a:br>
               <a:rPr lang="en-US" sz="6600" dirty="0" smtClean="0">
                 <a:solidFill>
-                  <a:schemeClr val="tx1">
-                    <a:lumMod val="95000"/>
-                    <a:lumOff val="5000"/>
+                  <a:schemeClr val="accent1">
+                    <a:lumMod val="20000"/>
+                    <a:lumOff val="80000"/>
                   </a:schemeClr>
                 </a:solidFill>
                 <a:latin typeface="Calibri" panose="020F0502020204030204" pitchFamily="34" charset="0"/>
@@ -14739,82 +14738,69 @@
             <a:r>
               <a:rPr lang="en-US" sz="6600" dirty="0" smtClean="0">
                 <a:solidFill>
-                  <a:schemeClr val="tx1">
-                    <a:lumMod val="95000"/>
-                    <a:lumOff val="5000"/>
+                  <a:schemeClr val="accent1">
+                    <a:lumMod val="20000"/>
+                    <a:lumOff val="80000"/>
                   </a:schemeClr>
                 </a:solidFill>
                 <a:latin typeface="Calibri" panose="020F0502020204030204" pitchFamily="34" charset="0"/>
               </a:rPr>
               <a:t>Front End Project</a:t>
             </a:r>
+            <a:br>
+              <a:rPr lang="en-US" sz="6600" dirty="0" smtClean="0">
+                <a:solidFill>
+                  <a:schemeClr val="accent1">
+                    <a:lumMod val="20000"/>
+                    <a:lumOff val="80000"/>
+                  </a:schemeClr>
+                </a:solidFill>
+                <a:latin typeface="Calibri" panose="020F0502020204030204" pitchFamily="34" charset="0"/>
+              </a:rPr>
+            </a:br>
+            <a:r>
+              <a:rPr lang="en-US" sz="6600" dirty="0" smtClean="0">
+                <a:solidFill>
+                  <a:schemeClr val="accent1">
+                    <a:lumMod val="20000"/>
+                    <a:lumOff val="80000"/>
+                  </a:schemeClr>
+                </a:solidFill>
+              </a:rPr>
+              <a:t>with</a:t>
+            </a:r>
+            <a:br>
+              <a:rPr lang="en-US" sz="6600" dirty="0" smtClean="0">
+                <a:solidFill>
+                  <a:schemeClr val="accent1">
+                    <a:lumMod val="20000"/>
+                    <a:lumOff val="80000"/>
+                  </a:schemeClr>
+                </a:solidFill>
+              </a:rPr>
+            </a:br>
+            <a:r>
+              <a:rPr lang="en-US" sz="10700" dirty="0">
+                <a:solidFill>
+                  <a:schemeClr val="bg1"/>
+                </a:solidFill>
+              </a:rPr>
+              <a:t>GULP</a:t>
+            </a:r>
+            <a:r>
+              <a:rPr lang="en-US" sz="6600" dirty="0"/>
+              <a:t/>
+            </a:r>
+            <a:br>
+              <a:rPr lang="en-US" sz="6600" dirty="0"/>
+            </a:br>
             <a:endParaRPr lang="en-US" sz="6600" dirty="0">
               <a:solidFill>
-                <a:schemeClr val="tx1">
-                  <a:lumMod val="95000"/>
-                  <a:lumOff val="5000"/>
+                <a:schemeClr val="accent1">
+                  <a:lumMod val="20000"/>
+                  <a:lumOff val="80000"/>
                 </a:schemeClr>
               </a:solidFill>
-              <a:latin typeface="Calibri" panose="020F0502020204030204" pitchFamily="34" charset="0"/>
-            </a:endParaRPr>
-          </a:p>
-        </p:txBody>
-      </p:sp>
-      <p:sp>
-        <p:nvSpPr>
-          <p:cNvPr id="5" name="Subtitle 4"/>
-          <p:cNvSpPr>
-            <a:spLocks noGrp="1"/>
-          </p:cNvSpPr>
-          <p:nvPr>
-            <p:ph type="subTitle" idx="1"/>
-          </p:nvPr>
-        </p:nvSpPr>
-        <p:spPr/>
-        <p:txBody>
-          <a:bodyPr>
-            <a:noAutofit/>
-          </a:bodyPr>
-          <a:lstStyle/>
-          <a:p>
-            <a:r>
-              <a:rPr lang="en-US" sz="9600" dirty="0" smtClean="0"/>
-              <a:t>GULP</a:t>
-            </a:r>
-            <a:endParaRPr lang="en-US" sz="9600" dirty="0"/>
-          </a:p>
-        </p:txBody>
-      </p:sp>
-      <p:sp>
-        <p:nvSpPr>
-          <p:cNvPr id="3" name="TextBox 2"/>
-          <p:cNvSpPr txBox="1"/>
-          <p:nvPr/>
-        </p:nvSpPr>
-        <p:spPr>
-          <a:xfrm>
-            <a:off x="990600" y="3429000"/>
-            <a:ext cx="7162800" cy="381000"/>
-          </a:xfrm>
-          <a:prstGeom prst="rect">
-            <a:avLst/>
-          </a:prstGeom>
-          <a:noFill/>
-        </p:spPr>
-        <p:txBody>
-          <a:bodyPr wrap="square" rtlCol="0">
-            <a:spAutoFit/>
-          </a:bodyPr>
-          <a:lstStyle/>
-          <a:p>
-            <a:pPr algn="ctr"/>
-            <a:r>
-              <a:rPr lang="en-US" dirty="0" smtClean="0">
-                <a:latin typeface="Calibri" panose="020F0502020204030204" pitchFamily="34" charset="0"/>
-              </a:rPr>
-              <a:t>with</a:t>
-            </a:r>
-            <a:endParaRPr lang="en-US" dirty="0">
               <a:latin typeface="Calibri" panose="020F0502020204030204" pitchFamily="34" charset="0"/>
             </a:endParaRPr>
           </a:p>
@@ -15354,8 +15340,8 @@
         </p:nvSpPr>
         <p:spPr>
           <a:xfrm>
-            <a:off x="1095023" y="169115"/>
-            <a:ext cx="6965245" cy="1202485"/>
+            <a:off x="1219200" y="1066800"/>
+            <a:ext cx="6965245" cy="990599"/>
           </a:xfrm>
         </p:spPr>
         <p:txBody>
@@ -16197,7 +16183,7 @@
         </p:nvSpPr>
         <p:spPr>
           <a:xfrm>
-            <a:off x="1095023" y="245486"/>
+            <a:off x="1066800" y="685800"/>
             <a:ext cx="6965245" cy="821314"/>
           </a:xfrm>
         </p:spPr>
@@ -16331,6 +16317,13 @@
   <p:transition spd="med">
     <p:fade/>
   </p:transition>
+  <p:timing>
+    <p:tnLst>
+      <p:par>
+        <p:cTn id="1" dur="indefinite" restart="never" nodeType="tmRoot"/>
+      </p:par>
+    </p:tnLst>
+  </p:timing>
 </p:sld>
 </file>
 
@@ -16527,7 +16520,13 @@
               <a:rPr lang="en-US" dirty="0" smtClean="0">
                 <a:latin typeface="Calibri" panose="020F0502020204030204" pitchFamily="34" charset="0"/>
               </a:rPr>
-              <a:t>It enforces to follow best practices</a:t>
+              <a:t>It helps </a:t>
+            </a:r>
+            <a:r>
+              <a:rPr lang="en-US" dirty="0" smtClean="0">
+                <a:latin typeface="Calibri" panose="020F0502020204030204" pitchFamily="34" charset="0"/>
+              </a:rPr>
+              <a:t>enforces to follow best practices</a:t>
             </a:r>
             <a:endParaRPr lang="en-US" dirty="0">
               <a:latin typeface="Calibri" panose="020F0502020204030204" pitchFamily="34" charset="0"/>
@@ -16858,7 +16857,7 @@
         <p:spPr/>
         <p:txBody>
           <a:bodyPr>
-            <a:normAutofit fontScale="85000" lnSpcReduction="20000"/>
+            <a:normAutofit fontScale="85000" lnSpcReduction="10000"/>
           </a:bodyPr>
           <a:lstStyle/>
           <a:p>
@@ -16902,10 +16901,10 @@
               <a:t> and </a:t>
             </a:r>
             <a:r>
-              <a:rPr lang="en-US" b="1" dirty="0" err="1" smtClean="0">
-                <a:latin typeface="Calibri" panose="020F0502020204030204" pitchFamily="34" charset="0"/>
-              </a:rPr>
-              <a:t>fn</a:t>
+              <a:rPr lang="en-US" b="1" dirty="0" smtClean="0">
+                <a:latin typeface="Calibri" panose="020F0502020204030204" pitchFamily="34" charset="0"/>
+              </a:rPr>
+              <a:t>fn.</a:t>
             </a:r>
             <a:endParaRPr lang="en-US" b="1" dirty="0" smtClean="0">
               <a:latin typeface="Calibri" panose="020F0502020204030204" pitchFamily="34" charset="0"/>
@@ -16948,16 +16947,22 @@
               <a:t> is an array of task names, and </a:t>
             </a:r>
             <a:r>
-              <a:rPr lang="en-US" dirty="0" err="1">
+              <a:rPr lang="en-US" dirty="0" err="1" smtClean="0">
                 <a:latin typeface="Calibri" panose="020F0502020204030204" pitchFamily="34" charset="0"/>
               </a:rPr>
               <a:t>fn</a:t>
             </a:r>
             <a:r>
+              <a:rPr lang="en-US" dirty="0" smtClean="0">
+                <a:latin typeface="Calibri" panose="020F0502020204030204" pitchFamily="34" charset="0"/>
+              </a:rPr>
+              <a:t> is </a:t>
+            </a:r>
+            <a:r>
               <a:rPr lang="en-US" dirty="0">
                 <a:latin typeface="Calibri" panose="020F0502020204030204" pitchFamily="34" charset="0"/>
               </a:rPr>
-              <a:t> is the function that performs your task. </a:t>
+              <a:t>the function that performs your task. </a:t>
             </a:r>
             <a:r>
               <a:rPr lang="en-US" dirty="0" err="1">
@@ -16994,22 +16999,14 @@
             <a:pPr marL="0" indent="0">
               <a:buNone/>
             </a:pPr>
-            <a:endParaRPr lang="en-US" dirty="0" smtClean="0">
-              <a:latin typeface="Calibri" panose="020F0502020204030204" pitchFamily="34" charset="0"/>
-            </a:endParaRPr>
-          </a:p>
-          <a:p>
-            <a:pPr marL="0" indent="0">
-              <a:buNone/>
-            </a:pPr>
-            <a:r>
-              <a:rPr lang="en-US" sz="2100" dirty="0" err="1">
+            <a:r>
+              <a:rPr lang="en-US" sz="2100" dirty="0" err="1" smtClean="0">
                 <a:latin typeface="Calibri" panose="020F0502020204030204" pitchFamily="34" charset="0"/>
               </a:rPr>
               <a:t>gulp.</a:t>
             </a:r>
             <a:r>
-              <a:rPr lang="en-US" sz="2100" dirty="0" err="1">
+              <a:rPr lang="en-US" sz="2100" dirty="0" err="1" smtClean="0">
                 <a:solidFill>
                   <a:srgbClr val="DE4A68"/>
                 </a:solidFill>
@@ -17623,13 +17620,33 @@
               <a:buNone/>
             </a:pPr>
             <a:r>
-              <a:rPr lang="en-US" dirty="0">
-                <a:latin typeface="Calibri" panose="020F0502020204030204" pitchFamily="34" charset="0"/>
-              </a:rPr>
-              <a:t>Gulp is a streaming build system that is used to automate front end tasks. It uses node’s stream file manipulation system.</a:t>
-            </a:r>
-          </a:p>
-          <a:p>
+              <a:rPr lang="en-US" dirty="0"/>
+              <a:t>You will need to create a file within the root directory of your project called gulpfile.js, and include all the variables of the plugins we just installed. Below that we will create the task called "styles".</a:t>
+            </a:r>
+          </a:p>
+          <a:p>
+            <a:pPr marL="0" indent="0">
+              <a:buNone/>
+            </a:pPr>
+            <a:endParaRPr lang="en-US" dirty="0"/>
+          </a:p>
+          <a:p>
+            <a:pPr marL="0" indent="0">
+              <a:buNone/>
+            </a:pPr>
+            <a:r>
+              <a:rPr lang="en-US" dirty="0"/>
+              <a:t>Add the following into gulpfile.js</a:t>
+            </a:r>
+            <a:r>
+              <a:rPr lang="en-US" dirty="0" smtClean="0"/>
+              <a:t>:</a:t>
+            </a:r>
+          </a:p>
+          <a:p>
+            <a:pPr marL="0" indent="0">
+              <a:buNone/>
+            </a:pPr>
             <a:endParaRPr lang="en-US" dirty="0"/>
           </a:p>
         </p:txBody>
@@ -17654,8 +17671,8 @@
               <a:t>Add Gulp </a:t>
             </a:r>
             <a:r>
-              <a:rPr lang="en-US" dirty="0" err="1" smtClean="0"/>
-              <a:t>taks</a:t>
+              <a:rPr lang="en-US" dirty="0" smtClean="0"/>
+              <a:t>task</a:t>
             </a:r>
             <a:endParaRPr lang="en-US" dirty="0"/>
           </a:p>
